--- a/Razrabotka_modulya_importa_i_korrektirovki_dogovorov_strakhovoy_kompanii.pptx
+++ b/Razrabotka_modulya_importa_i_korrektirovki_dogovorov_strakhovoy_kompanii.pptx
@@ -751,7 +751,7 @@
             <a:fld id="{E175A628-7829-4C17-9707-9D1E1AEEA138}" type="datetimeFigureOut">
               <a:rPr lang="ru-RU" smtClean="0"/>
               <a:pPr/>
-              <a:t>18.05.2019</a:t>
+              <a:t>22.05.2019</a:t>
             </a:fld>
             <a:endParaRPr lang="ru-RU"/>
           </a:p>
@@ -949,7 +949,7 @@
             <a:fld id="{E175A628-7829-4C17-9707-9D1E1AEEA138}" type="datetimeFigureOut">
               <a:rPr lang="ru-RU" smtClean="0"/>
               <a:pPr/>
-              <a:t>18.05.2019</a:t>
+              <a:t>22.05.2019</a:t>
             </a:fld>
             <a:endParaRPr lang="ru-RU"/>
           </a:p>
@@ -1136,7 +1136,7 @@
             <a:fld id="{E175A628-7829-4C17-9707-9D1E1AEEA138}" type="datetimeFigureOut">
               <a:rPr lang="ru-RU" smtClean="0"/>
               <a:pPr/>
-              <a:t>18.05.2019</a:t>
+              <a:t>22.05.2019</a:t>
             </a:fld>
             <a:endParaRPr lang="ru-RU"/>
           </a:p>
@@ -1288,7 +1288,7 @@
             <a:fld id="{E175A628-7829-4C17-9707-9D1E1AEEA138}" type="datetimeFigureOut">
               <a:rPr lang="ru-RU" smtClean="0"/>
               <a:pPr/>
-              <a:t>18.05.2019</a:t>
+              <a:t>22.05.2019</a:t>
             </a:fld>
             <a:endParaRPr lang="ru-RU"/>
           </a:p>
@@ -1545,7 +1545,7 @@
             <a:fld id="{E175A628-7829-4C17-9707-9D1E1AEEA138}" type="datetimeFigureOut">
               <a:rPr lang="ru-RU" smtClean="0"/>
               <a:pPr/>
-              <a:t>18.05.2019</a:t>
+              <a:t>22.05.2019</a:t>
             </a:fld>
             <a:endParaRPr lang="ru-RU"/>
           </a:p>
@@ -1956,7 +1956,7 @@
             <a:fld id="{E175A628-7829-4C17-9707-9D1E1AEEA138}" type="datetimeFigureOut">
               <a:rPr lang="ru-RU" smtClean="0"/>
               <a:pPr/>
-              <a:t>18.05.2019</a:t>
+              <a:t>22.05.2019</a:t>
             </a:fld>
             <a:endParaRPr lang="ru-RU"/>
           </a:p>
@@ -2404,7 +2404,7 @@
             <a:fld id="{E175A628-7829-4C17-9707-9D1E1AEEA138}" type="datetimeFigureOut">
               <a:rPr lang="ru-RU" smtClean="0"/>
               <a:pPr/>
-              <a:t>18.05.2019</a:t>
+              <a:t>22.05.2019</a:t>
             </a:fld>
             <a:endParaRPr lang="ru-RU"/>
           </a:p>
@@ -2507,7 +2507,7 @@
             <a:fld id="{E175A628-7829-4C17-9707-9D1E1AEEA138}" type="datetimeFigureOut">
               <a:rPr lang="ru-RU" smtClean="0"/>
               <a:pPr/>
-              <a:t>18.05.2019</a:t>
+              <a:t>22.05.2019</a:t>
             </a:fld>
             <a:endParaRPr lang="ru-RU"/>
           </a:p>
@@ -2630,7 +2630,7 @@
             <a:fld id="{E175A628-7829-4C17-9707-9D1E1AEEA138}" type="datetimeFigureOut">
               <a:rPr lang="ru-RU" smtClean="0"/>
               <a:pPr/>
-              <a:t>18.05.2019</a:t>
+              <a:t>22.05.2019</a:t>
             </a:fld>
             <a:endParaRPr lang="ru-RU"/>
           </a:p>
@@ -2906,7 +2906,7 @@
             <a:fld id="{E175A628-7829-4C17-9707-9D1E1AEEA138}" type="datetimeFigureOut">
               <a:rPr lang="ru-RU" smtClean="0"/>
               <a:pPr/>
-              <a:t>18.05.2019</a:t>
+              <a:t>22.05.2019</a:t>
             </a:fld>
             <a:endParaRPr lang="ru-RU"/>
           </a:p>
@@ -3113,7 +3113,7 @@
             <a:fld id="{E175A628-7829-4C17-9707-9D1E1AEEA138}" type="datetimeFigureOut">
               <a:rPr lang="ru-RU" smtClean="0"/>
               <a:pPr/>
-              <a:t>18.05.2019</a:t>
+              <a:t>22.05.2019</a:t>
             </a:fld>
             <a:endParaRPr lang="ru-RU"/>
           </a:p>
@@ -4224,7 +4224,7 @@
             <a:fld id="{E175A628-7829-4C17-9707-9D1E1AEEA138}" type="datetimeFigureOut">
               <a:rPr lang="ru-RU" smtClean="0"/>
               <a:pPr/>
-              <a:t>18.05.2019</a:t>
+              <a:t>22.05.2019</a:t>
             </a:fld>
             <a:endParaRPr lang="ru-RU"/>
           </a:p>
@@ -4752,11 +4752,7 @@
             </a:pPr>
             <a:r>
               <a:rPr lang="ru-RU" dirty="0" smtClean="0"/>
-              <a:t> 3) Редактировать </a:t>
-            </a:r>
-            <a:r>
-              <a:rPr lang="ru-RU" dirty="0" smtClean="0"/>
-              <a:t>реестры</a:t>
+              <a:t> 3) Редактировать реестры</a:t>
             </a:r>
           </a:p>
           <a:p>
@@ -4765,13 +4761,8 @@
             </a:pPr>
             <a:r>
               <a:rPr lang="ru-RU" dirty="0" smtClean="0"/>
-              <a:t> </a:t>
-            </a:r>
-            <a:r>
-              <a:rPr lang="ru-RU" dirty="0" smtClean="0"/>
-              <a:t>4) Редактировать договоры из реестров</a:t>
-            </a:r>
-            <a:endParaRPr lang="ru-RU" dirty="0" smtClean="0"/>
+              <a:t> 4) Редактировать договоры из реестров</a:t>
+            </a:r>
           </a:p>
           <a:p>
             <a:pPr>
@@ -4788,11 +4779,7 @@
             </a:pPr>
             <a:r>
               <a:rPr lang="ru-RU" dirty="0" smtClean="0"/>
-              <a:t> 5) Удалять загруженные ранее </a:t>
-            </a:r>
-            <a:r>
-              <a:rPr lang="ru-RU" dirty="0" smtClean="0"/>
-              <a:t>реестры</a:t>
+              <a:t> 5) Удалять загруженные ранее реестры</a:t>
             </a:r>
           </a:p>
           <a:p>
@@ -4803,7 +4790,6 @@
               <a:rPr lang="ru-RU" dirty="0" smtClean="0"/>
               <a:t> 6) Выполнять аутентификацию</a:t>
             </a:r>
-            <a:endParaRPr lang="ru-RU" dirty="0" smtClean="0"/>
           </a:p>
           <a:p>
             <a:endParaRPr lang="ru-RU" dirty="0"/>
@@ -4877,34 +4863,14 @@
           <a:p>
             <a:r>
               <a:rPr lang="ru-RU" dirty="0" smtClean="0"/>
-              <a:t>Программный интерфейс должен </a:t>
-            </a:r>
+              <a:t>Программный интерфейс должен быть реализован в приятной для глаз цветовой палитре</a:t>
+            </a:r>
+          </a:p>
+          <a:p>
+            <a:pPr lvl="0"/>
             <a:r>
               <a:rPr lang="ru-RU" dirty="0" smtClean="0"/>
-              <a:t>быть </a:t>
-            </a:r>
-            <a:r>
-              <a:rPr lang="ru-RU" dirty="0" smtClean="0"/>
-              <a:t>реализован </a:t>
-            </a:r>
-            <a:r>
-              <a:rPr lang="ru-RU" dirty="0" smtClean="0"/>
-              <a:t>в приятной для глаз цветовой </a:t>
-            </a:r>
-            <a:r>
-              <a:rPr lang="ru-RU" dirty="0" smtClean="0"/>
-              <a:t>палитре</a:t>
-            </a:r>
-          </a:p>
-          <a:p>
-            <a:pPr lvl="0"/>
-            <a:r>
-              <a:rPr lang="ru-RU" dirty="0" smtClean="0"/>
-              <a:t>Функционал 	должен использовать существующую 	структуру БД в части хранения </a:t>
-            </a:r>
-            <a:r>
-              <a:rPr lang="ru-RU" dirty="0" smtClean="0"/>
-              <a:t>договоров</a:t>
+              <a:t>Функционал 	должен использовать существующую 	структуру БД в части хранения договоров</a:t>
             </a:r>
           </a:p>
           <a:p>
@@ -4947,7 +4913,6 @@
               <a:rPr lang="ru-RU" dirty="0" smtClean="0"/>
               <a:t>-запросы для взаимодействия программных модулей</a:t>
             </a:r>
-            <a:endParaRPr lang="ru-RU" dirty="0" smtClean="0"/>
           </a:p>
           <a:p>
             <a:endParaRPr lang="ru-RU" dirty="0" smtClean="0"/>
@@ -5833,11 +5798,7 @@
             </a:r>
             <a:r>
               <a:rPr lang="ru-RU" sz="2800" dirty="0" smtClean="0"/>
-              <a:t>продукт полностью удовлетворяет потребностям системы страховой компании в быстродействии, надежности, </a:t>
-            </a:r>
-            <a:r>
-              <a:rPr lang="ru-RU" sz="2800" dirty="0" smtClean="0"/>
-              <a:t>безопасности. Использование данного модуля позитивно повлияло на продуктивность в плане документооборота внутри страховой компании. </a:t>
+              <a:t>продукт полностью удовлетворяет потребностям системы страховой компании в быстродействии, надежности, безопасности. Использование данного модуля позитивно повлияло на продуктивность в плане документооборота внутри страховой компании. </a:t>
             </a:r>
             <a:endParaRPr lang="ru-RU" dirty="0"/>
           </a:p>
@@ -6138,7 +6099,6 @@
               <a:rPr lang="ru-RU" dirty="0" smtClean="0"/>
               <a:t>   	Учет страховых полисов в системе страховой компании может вестись с помощью реестров договоров, представленных в виде Excel-документов. 	</a:t>
             </a:r>
-            <a:endParaRPr lang="ru-RU" dirty="0" smtClean="0"/>
           </a:p>
           <a:p>
             <a:pPr>
@@ -6146,19 +6106,7 @@
             </a:pPr>
             <a:r>
               <a:rPr lang="ru-RU" dirty="0" smtClean="0"/>
-              <a:t>	</a:t>
-            </a:r>
-            <a:r>
-              <a:rPr lang="ru-RU" dirty="0" smtClean="0"/>
-              <a:t>	</a:t>
-            </a:r>
-            <a:r>
-              <a:rPr lang="ru-RU" dirty="0" smtClean="0"/>
-              <a:t>Договор </a:t>
-            </a:r>
-            <a:r>
-              <a:rPr lang="ru-RU" dirty="0" smtClean="0"/>
-              <a:t>не может сразу попасть из реестра в базу данных, так как может содержать ошибки. </a:t>
+              <a:t>		Договор не может сразу попасть из реестра в базу данных, так как может содержать ошибки. </a:t>
             </a:r>
           </a:p>
           <a:p>
@@ -6167,11 +6115,7 @@
             </a:pPr>
             <a:r>
               <a:rPr lang="ru-RU" dirty="0" smtClean="0"/>
-              <a:t>		Именно поэтому необходимо разработать соответствующий функционал, </a:t>
-            </a:r>
-            <a:r>
-              <a:rPr lang="ru-RU" dirty="0" smtClean="0"/>
-              <a:t>для того, чтобы оптимизировать документооборот. </a:t>
+              <a:t>		Именно поэтому необходимо разработать соответствующий функционал, для того, чтобы оптимизировать документооборот. </a:t>
             </a:r>
           </a:p>
           <a:p>
@@ -6180,11 +6124,7 @@
             </a:pPr>
             <a:r>
               <a:rPr lang="ru-RU" dirty="0" smtClean="0"/>
-              <a:t>	</a:t>
-            </a:r>
-            <a:r>
-              <a:rPr lang="ru-RU" dirty="0" smtClean="0"/>
-              <a:t>	Для того, чтобы это было возможно было принято решение о создании модуля реестра и корректировки договоров.</a:t>
+              <a:t>		Для того, чтобы это было возможно было принято решение о создании модуля реестра и корректировки договоров.</a:t>
             </a:r>
             <a:endParaRPr lang="ru-RU" dirty="0"/>
           </a:p>
@@ -6555,31 +6495,7 @@
           <a:p>
             <a:r>
               <a:rPr lang="ru-RU" dirty="0" smtClean="0"/>
-              <a:t>П</a:t>
-            </a:r>
-            <a:r>
-              <a:rPr lang="ru-RU" dirty="0" smtClean="0"/>
-              <a:t>роведено </a:t>
-            </a:r>
-            <a:r>
-              <a:rPr lang="ru-RU" dirty="0" smtClean="0"/>
-              <a:t>исследование, результатом которого стало известно, что ни один существующий аналоги не может быть использован. </a:t>
-            </a:r>
-            <a:r>
-              <a:rPr lang="ru-RU" dirty="0" smtClean="0"/>
-              <a:t>Использование </a:t>
-            </a:r>
-            <a:r>
-              <a:rPr lang="ru-RU" dirty="0" smtClean="0"/>
-              <a:t>уже </a:t>
-            </a:r>
-            <a:r>
-              <a:rPr lang="ru-RU" dirty="0" smtClean="0"/>
-              <a:t>готовых </a:t>
-            </a:r>
-            <a:r>
-              <a:rPr lang="ru-RU" dirty="0" smtClean="0"/>
-              <a:t>программных решений приведет к тому, что многие части придется доделывать. </a:t>
+              <a:t>Проведено исследование, результатом которого стало известно, что ни один существующий аналоги не может быть использован. Использование уже готовых программных решений приведет к тому, что многие части придется доделывать. </a:t>
             </a:r>
           </a:p>
           <a:p>
@@ -6763,7 +6679,7 @@
         </p:spPr>
         <p:txBody>
           <a:bodyPr>
-            <a:normAutofit/>
+            <a:normAutofit lnSpcReduction="10000"/>
           </a:bodyPr>
           <a:lstStyle/>
           <a:p>
@@ -6780,8 +6696,9 @@
             </a:r>
             <a:r>
               <a:rPr lang="ru-RU" dirty="0" smtClean="0"/>
-              <a:t>-документов.</a:t>
-            </a:r>
+              <a:t>-документов и отображения данных, содержащихся в них.</a:t>
+            </a:r>
+            <a:endParaRPr lang="ru-RU" dirty="0" smtClean="0"/>
           </a:p>
           <a:p>
             <a:pPr>
@@ -6789,7 +6706,19 @@
             </a:pPr>
             <a:r>
               <a:rPr lang="ru-RU" dirty="0" smtClean="0"/>
-              <a:t>2) Обеспечить загрузку данных из документа в промежуточные БД.</a:t>
+              <a:t>2) Обеспечить загрузку данных из документа в </a:t>
+            </a:r>
+            <a:r>
+              <a:rPr lang="ru-RU" dirty="0" smtClean="0"/>
+              <a:t>таблицы</a:t>
+            </a:r>
+            <a:r>
+              <a:rPr lang="ru-RU" dirty="0" smtClean="0"/>
+              <a:t> </a:t>
+            </a:r>
+            <a:r>
+              <a:rPr lang="ru-RU" dirty="0" smtClean="0"/>
+              <a:t>БД.</a:t>
             </a:r>
           </a:p>
           <a:p>
@@ -6798,7 +6727,15 @@
             </a:pPr>
             <a:r>
               <a:rPr lang="ru-RU" dirty="0" smtClean="0"/>
-              <a:t>3) Гарантировать асинхронную обработка договоров</a:t>
+              <a:t>3) Гарантировать асинхронную </a:t>
+            </a:r>
+            <a:r>
+              <a:rPr lang="ru-RU" dirty="0" smtClean="0"/>
+              <a:t>обработку </a:t>
+            </a:r>
+            <a:r>
+              <a:rPr lang="ru-RU" dirty="0" smtClean="0"/>
+              <a:t>договоров</a:t>
             </a:r>
           </a:p>
           <a:p>
@@ -6807,7 +6744,19 @@
             </a:pPr>
             <a:r>
               <a:rPr lang="ru-RU" dirty="0" smtClean="0"/>
-              <a:t>4) Предоставить возможность удалять изменять, сортировать, искать договора и реестры</a:t>
+              <a:t>4) Предоставить возможность удалять изменять, сортировать, </a:t>
+            </a:r>
+            <a:r>
+              <a:rPr lang="ru-RU" smtClean="0"/>
+              <a:t>искать </a:t>
+            </a:r>
+            <a:r>
+              <a:rPr lang="ru-RU" smtClean="0"/>
+              <a:t>договоры </a:t>
+            </a:r>
+            <a:r>
+              <a:rPr lang="ru-RU" dirty="0" smtClean="0"/>
+              <a:t>и реестры</a:t>
             </a:r>
           </a:p>
           <a:p>
@@ -6825,7 +6774,12 @@
             <p:ph type="title"/>
           </p:nvPr>
         </p:nvSpPr>
-        <p:spPr/>
+        <p:spPr>
+          <a:xfrm>
+            <a:off x="428596" y="285728"/>
+            <a:ext cx="8229600" cy="1143000"/>
+          </a:xfrm>
+        </p:spPr>
         <p:txBody>
           <a:bodyPr/>
           <a:lstStyle/>
